--- a/3-Sentiment/Watson Assistant Lab 3 - Understanding User Sentiment with Watson NLU.pptx
+++ b/3-Sentiment/Watson Assistant Lab 3 - Understanding User Sentiment with Watson NLU.pptx
@@ -5,10 +5,10 @@
     <p:sldMasterId id="2147483652" r:id="rId1"/>
   </p:sldMasterIdLst>
   <p:notesMasterIdLst>
-    <p:notesMasterId r:id="rId10"/>
+    <p:notesMasterId r:id="rId11"/>
   </p:notesMasterIdLst>
   <p:handoutMasterIdLst>
-    <p:handoutMasterId r:id="rId11"/>
+    <p:handoutMasterId r:id="rId12"/>
   </p:handoutMasterIdLst>
   <p:sldIdLst>
     <p:sldId id="427" r:id="rId2"/>
@@ -19,6 +19,7 @@
     <p:sldId id="426" r:id="rId7"/>
     <p:sldId id="429" r:id="rId8"/>
     <p:sldId id="417" r:id="rId9"/>
+    <p:sldId id="430" r:id="rId10"/>
   </p:sldIdLst>
   <p:sldSz cx="9144000" cy="5143500" type="screen16x9"/>
   <p:notesSz cx="6858000" cy="9144000"/>
@@ -1489,6 +1490,91 @@
     <p:extLst>
       <p:ext uri="{BB962C8B-B14F-4D97-AF65-F5344CB8AC3E}">
         <p14:creationId xmlns:p14="http://schemas.microsoft.com/office/powerpoint/2010/main" val="2294071688"/>
+      </p:ext>
+    </p:extLst>
+  </p:cSld>
+  <p:clrMapOvr>
+    <a:masterClrMapping/>
+  </p:clrMapOvr>
+</p:notes>
+</file>
+
+<file path=ppt/notesSlides/notesSlide9.xml><?xml version="1.0" encoding="utf-8"?>
+<p:notes xmlns:a="http://schemas.openxmlformats.org/drawingml/2006/main" xmlns:r="http://schemas.openxmlformats.org/officeDocument/2006/relationships" xmlns:p="http://schemas.openxmlformats.org/presentationml/2006/main">
+  <p:cSld>
+    <p:spTree>
+      <p:nvGrpSpPr>
+        <p:cNvPr id="1" name=""/>
+        <p:cNvGrpSpPr/>
+        <p:nvPr/>
+      </p:nvGrpSpPr>
+      <p:grpSpPr>
+        <a:xfrm>
+          <a:off x="0" y="0"/>
+          <a:ext cx="0" cy="0"/>
+          <a:chOff x="0" y="0"/>
+          <a:chExt cx="0" cy="0"/>
+        </a:xfrm>
+      </p:grpSpPr>
+      <p:sp>
+        <p:nvSpPr>
+          <p:cNvPr id="2" name="Slide Image Placeholder 1"/>
+          <p:cNvSpPr>
+            <a:spLocks noGrp="1" noRot="1" noChangeAspect="1"/>
+          </p:cNvSpPr>
+          <p:nvPr>
+            <p:ph type="sldImg"/>
+          </p:nvPr>
+        </p:nvSpPr>
+        <p:spPr/>
+      </p:sp>
+      <p:sp>
+        <p:nvSpPr>
+          <p:cNvPr id="3" name="Notes Placeholder 2"/>
+          <p:cNvSpPr>
+            <a:spLocks noGrp="1"/>
+          </p:cNvSpPr>
+          <p:nvPr>
+            <p:ph type="body" idx="1"/>
+          </p:nvPr>
+        </p:nvSpPr>
+        <p:spPr/>
+        <p:txBody>
+          <a:bodyPr/>
+          <a:lstStyle/>
+          <a:p>
+            <a:endParaRPr lang="en-GB" dirty="0"/>
+          </a:p>
+        </p:txBody>
+      </p:sp>
+      <p:sp>
+        <p:nvSpPr>
+          <p:cNvPr id="4" name="Slide Number Placeholder 3"/>
+          <p:cNvSpPr>
+            <a:spLocks noGrp="1"/>
+          </p:cNvSpPr>
+          <p:nvPr>
+            <p:ph type="sldNum" sz="quarter" idx="10"/>
+          </p:nvPr>
+        </p:nvSpPr>
+        <p:spPr/>
+        <p:txBody>
+          <a:bodyPr/>
+          <a:lstStyle/>
+          <a:p>
+            <a:fld id="{05C4898A-41A8-49D6-8E48-9D853EBFDD60}" type="slidenum">
+              <a:rPr lang="en-US" smtClean="0"/>
+              <a:pPr/>
+              <a:t>9</a:t>
+            </a:fld>
+            <a:endParaRPr lang="en-US"/>
+          </a:p>
+        </p:txBody>
+      </p:sp>
+    </p:spTree>
+    <p:extLst>
+      <p:ext uri="{BB962C8B-B14F-4D97-AF65-F5344CB8AC3E}">
+        <p14:creationId xmlns:p14="http://schemas.microsoft.com/office/powerpoint/2010/main" val="4219962362"/>
       </p:ext>
     </p:extLst>
   </p:cSld>
@@ -9870,7 +9956,7 @@
         <p:spPr>
           <a:xfrm>
             <a:off x="296389" y="786794"/>
-            <a:ext cx="4312681" cy="3970318"/>
+            <a:ext cx="4312681" cy="3600986"/>
           </a:xfrm>
           <a:prstGeom prst="rect">
             <a:avLst/>
@@ -10049,43 +10135,36 @@
                 <a:latin typeface="IBM Plex Sans" panose="020B0503050203000203" pitchFamily="34" charset="77"/>
                 <a:hlinkClick r:id="rId3"/>
               </a:rPr>
-              <a:t>https://github.com</a:t>
-            </a:r>
-            <a:r>
-              <a:rPr lang="en-US">
+              <a:t>https://</a:t>
+            </a:r>
+            <a:r>
+              <a:rPr lang="en-US" dirty="0" err="1">
                 <a:latin typeface="IBM Plex Sans" panose="020B0503050203000203" pitchFamily="34" charset="77"/>
                 <a:hlinkClick r:id="rId3"/>
               </a:rPr>
-              <a:t>/garyrwilson/Watson-Assistant-Labs/</a:t>
-            </a:r>
-            <a:r>
-              <a:rPr lang="en-US">
+              <a:t>github.com</a:t>
+            </a:r>
+            <a:r>
+              <a:rPr lang="en-US" dirty="0">
                 <a:latin typeface="IBM Plex Sans" panose="020B0503050203000203" pitchFamily="34" charset="77"/>
-                <a:hlinkClick r:id="rId4"/>
+                <a:hlinkClick r:id="rId3"/>
               </a:rPr>
-              <a:t>4-Sentiment</a:t>
-            </a:r>
-            <a:endParaRPr lang="en-US" dirty="0">
-              <a:latin typeface="IBM Plex Sans" panose="020B0503050203000203" pitchFamily="34" charset="77"/>
-            </a:endParaRPr>
-          </a:p>
-          <a:p>
-            <a:pPr marL="342900" indent="-342900" defTabSz="914400" eaLnBrk="1" fontAlgn="auto" hangingPunct="1">
-              <a:lnSpc>
-                <a:spcPct val="100000"/>
-              </a:lnSpc>
-              <a:spcBef>
-                <a:spcPts val="0"/>
-              </a:spcBef>
-              <a:spcAft>
-                <a:spcPts val="0"/>
-              </a:spcAft>
-              <a:buClrTx/>
-              <a:buSzTx/>
-              <a:buFont typeface="Arial" panose="020B0604020202020204" pitchFamily="34" charset="0"/>
-              <a:buChar char="•"/>
-              <a:defRPr/>
-            </a:pPr>
+              <a:t>/</a:t>
+            </a:r>
+            <a:r>
+              <a:rPr lang="en-US" dirty="0" err="1">
+                <a:latin typeface="IBM Plex Sans" panose="020B0503050203000203" pitchFamily="34" charset="77"/>
+                <a:hlinkClick r:id="rId3"/>
+              </a:rPr>
+              <a:t>jenni-hautojarvi</a:t>
+            </a:r>
+            <a:r>
+              <a:rPr lang="en-US" dirty="0">
+                <a:latin typeface="IBM Plex Sans" panose="020B0503050203000203" pitchFamily="34" charset="77"/>
+                <a:hlinkClick r:id="rId3"/>
+              </a:rPr>
+              <a:t>/Watson-Assistant-Labs/tree/master/3-Sentiment</a:t>
+            </a:r>
             <a:endParaRPr lang="en-US" sz="2400" dirty="0">
               <a:latin typeface="IBM Plex Sans" panose="020B0503050203000203" pitchFamily="34" charset="77"/>
             </a:endParaRPr>
@@ -10107,7 +10186,7 @@
           <p:nvPr/>
         </p:nvPicPr>
         <p:blipFill>
-          <a:blip r:embed="rId5">
+          <a:blip r:embed="rId4">
             <a:extLst>
               <a:ext uri="{28A0092B-C50C-407E-A947-70E740481C1C}">
                 <a14:useLocalDpi xmlns:a14="http://schemas.microsoft.com/office/drawing/2010/main" val="0"/>
@@ -10132,6 +10211,324 @@
     <p:extLst>
       <p:ext uri="{BB962C8B-B14F-4D97-AF65-F5344CB8AC3E}">
         <p14:creationId xmlns:p14="http://schemas.microsoft.com/office/powerpoint/2010/main" val="401053972"/>
+      </p:ext>
+    </p:extLst>
+  </p:cSld>
+  <p:clrMapOvr>
+    <a:masterClrMapping/>
+  </p:clrMapOvr>
+</p:sld>
+</file>
+
+<file path=ppt/slides/slide9.xml><?xml version="1.0" encoding="utf-8"?>
+<p:sld xmlns:a="http://schemas.openxmlformats.org/drawingml/2006/main" xmlns:r="http://schemas.openxmlformats.org/officeDocument/2006/relationships" xmlns:p="http://schemas.openxmlformats.org/presentationml/2006/main">
+  <p:cSld>
+    <p:spTree>
+      <p:nvGrpSpPr>
+        <p:cNvPr id="1" name=""/>
+        <p:cNvGrpSpPr/>
+        <p:nvPr/>
+      </p:nvGrpSpPr>
+      <p:grpSpPr>
+        <a:xfrm>
+          <a:off x="0" y="0"/>
+          <a:ext cx="0" cy="0"/>
+          <a:chOff x="0" y="0"/>
+          <a:chExt cx="0" cy="0"/>
+        </a:xfrm>
+      </p:grpSpPr>
+      <p:pic>
+        <p:nvPicPr>
+          <p:cNvPr id="11" name="Picture 2" descr="Image result for ibm watson logo">
+            <a:extLst>
+              <a:ext uri="{FF2B5EF4-FFF2-40B4-BE49-F238E27FC236}">
+                <a16:creationId xmlns:a16="http://schemas.microsoft.com/office/drawing/2014/main" id="{88098B53-B3C4-F44D-B08A-58FF153108DB}"/>
+              </a:ext>
+            </a:extLst>
+          </p:cNvPr>
+          <p:cNvPicPr>
+            <a:picLocks noChangeAspect="1" noChangeArrowheads="1"/>
+          </p:cNvPicPr>
+          <p:nvPr/>
+        </p:nvPicPr>
+        <p:blipFill>
+          <a:blip r:embed="rId3">
+            <a:extLst>
+              <a:ext uri="{28A0092B-C50C-407E-A947-70E740481C1C}">
+                <a14:useLocalDpi xmlns:a14="http://schemas.microsoft.com/office/drawing/2010/main" val="0"/>
+              </a:ext>
+            </a:extLst>
+          </a:blip>
+          <a:srcRect/>
+          <a:stretch>
+            <a:fillRect/>
+          </a:stretch>
+        </p:blipFill>
+        <p:spPr bwMode="auto">
+          <a:xfrm>
+            <a:off x="3331388" y="355499"/>
+            <a:ext cx="2404620" cy="2048380"/>
+          </a:xfrm>
+          <a:prstGeom prst="rect">
+            <a:avLst/>
+          </a:prstGeom>
+          <a:noFill/>
+          <a:extLst>
+            <a:ext uri="{909E8E84-426E-40DD-AFC4-6F175D3DCCD1}">
+              <a14:hiddenFill xmlns:a14="http://schemas.microsoft.com/office/drawing/2010/main">
+                <a:solidFill>
+                  <a:srgbClr val="FFFFFF"/>
+                </a:solidFill>
+              </a14:hiddenFill>
+            </a:ext>
+          </a:extLst>
+        </p:spPr>
+      </p:pic>
+      <p:sp>
+        <p:nvSpPr>
+          <p:cNvPr id="4" name="Title 1">
+            <a:extLst>
+              <a:ext uri="{FF2B5EF4-FFF2-40B4-BE49-F238E27FC236}">
+                <a16:creationId xmlns:a16="http://schemas.microsoft.com/office/drawing/2014/main" id="{8FBC9012-B689-FC4C-B206-085AED8268B6}"/>
+              </a:ext>
+            </a:extLst>
+          </p:cNvPr>
+          <p:cNvSpPr txBox="1">
+            <a:spLocks/>
+          </p:cNvSpPr>
+          <p:nvPr/>
+        </p:nvSpPr>
+        <p:spPr bwMode="auto">
+          <a:xfrm>
+            <a:off x="1166168" y="2299335"/>
+            <a:ext cx="6811663" cy="2326791"/>
+          </a:xfrm>
+          <a:prstGeom prst="rect">
+            <a:avLst/>
+          </a:prstGeom>
+          <a:noFill/>
+          <a:ln w="9525">
+            <a:noFill/>
+            <a:miter lim="800000"/>
+            <a:headEnd/>
+            <a:tailEnd/>
+          </a:ln>
+          <a:effectLst/>
+        </p:spPr>
+        <p:txBody>
+          <a:bodyPr vert="horz" wrap="square" lIns="0" tIns="0" rIns="0" bIns="0" numCol="1" anchor="b" anchorCtr="0" compatLnSpc="1">
+            <a:prstTxWarp prst="textNoShape">
+              <a:avLst/>
+            </a:prstTxWarp>
+            <a:spAutoFit/>
+          </a:bodyPr>
+          <a:lstStyle>
+            <a:lvl1pPr algn="ctr" rtl="0" fontAlgn="base">
+              <a:lnSpc>
+                <a:spcPct val="90000"/>
+              </a:lnSpc>
+              <a:spcBef>
+                <a:spcPct val="0"/>
+              </a:spcBef>
+              <a:spcAft>
+                <a:spcPct val="0"/>
+              </a:spcAft>
+              <a:defRPr sz="4500">
+                <a:solidFill>
+                  <a:srgbClr val="191919"/>
+                </a:solidFill>
+                <a:latin typeface="Arial" pitchFamily="34" charset="0"/>
+                <a:ea typeface="+mj-ea"/>
+                <a:cs typeface="Arial" pitchFamily="34" charset="0"/>
+              </a:defRPr>
+            </a:lvl1pPr>
+            <a:lvl2pPr algn="l" rtl="0" fontAlgn="base">
+              <a:lnSpc>
+                <a:spcPct val="90000"/>
+              </a:lnSpc>
+              <a:spcBef>
+                <a:spcPct val="0"/>
+              </a:spcBef>
+              <a:spcAft>
+                <a:spcPct val="0"/>
+              </a:spcAft>
+              <a:defRPr sz="2800">
+                <a:solidFill>
+                  <a:srgbClr val="191919"/>
+                </a:solidFill>
+                <a:latin typeface="HelvNeue Light for IBM" pitchFamily="34" charset="0"/>
+              </a:defRPr>
+            </a:lvl2pPr>
+            <a:lvl3pPr algn="l" rtl="0" fontAlgn="base">
+              <a:lnSpc>
+                <a:spcPct val="90000"/>
+              </a:lnSpc>
+              <a:spcBef>
+                <a:spcPct val="0"/>
+              </a:spcBef>
+              <a:spcAft>
+                <a:spcPct val="0"/>
+              </a:spcAft>
+              <a:defRPr sz="2800">
+                <a:solidFill>
+                  <a:srgbClr val="191919"/>
+                </a:solidFill>
+                <a:latin typeface="HelvNeue Light for IBM" pitchFamily="34" charset="0"/>
+              </a:defRPr>
+            </a:lvl3pPr>
+            <a:lvl4pPr algn="l" rtl="0" fontAlgn="base">
+              <a:lnSpc>
+                <a:spcPct val="90000"/>
+              </a:lnSpc>
+              <a:spcBef>
+                <a:spcPct val="0"/>
+              </a:spcBef>
+              <a:spcAft>
+                <a:spcPct val="0"/>
+              </a:spcAft>
+              <a:defRPr sz="2800">
+                <a:solidFill>
+                  <a:srgbClr val="191919"/>
+                </a:solidFill>
+                <a:latin typeface="HelvNeue Light for IBM" pitchFamily="34" charset="0"/>
+              </a:defRPr>
+            </a:lvl4pPr>
+            <a:lvl5pPr algn="l" rtl="0" fontAlgn="base">
+              <a:lnSpc>
+                <a:spcPct val="90000"/>
+              </a:lnSpc>
+              <a:spcBef>
+                <a:spcPct val="0"/>
+              </a:spcBef>
+              <a:spcAft>
+                <a:spcPct val="0"/>
+              </a:spcAft>
+              <a:defRPr sz="2800">
+                <a:solidFill>
+                  <a:srgbClr val="191919"/>
+                </a:solidFill>
+                <a:latin typeface="HelvNeue Light for IBM" pitchFamily="34" charset="0"/>
+              </a:defRPr>
+            </a:lvl5pPr>
+            <a:lvl6pPr marL="457189" algn="l" rtl="0" fontAlgn="base">
+              <a:lnSpc>
+                <a:spcPct val="90000"/>
+              </a:lnSpc>
+              <a:spcBef>
+                <a:spcPct val="0"/>
+              </a:spcBef>
+              <a:spcAft>
+                <a:spcPct val="0"/>
+              </a:spcAft>
+              <a:defRPr sz="2800">
+                <a:solidFill>
+                  <a:srgbClr val="191919"/>
+                </a:solidFill>
+                <a:latin typeface="HelvNeue Light for IBM" pitchFamily="34" charset="0"/>
+              </a:defRPr>
+            </a:lvl6pPr>
+            <a:lvl7pPr marL="914377" algn="l" rtl="0" fontAlgn="base">
+              <a:lnSpc>
+                <a:spcPct val="90000"/>
+              </a:lnSpc>
+              <a:spcBef>
+                <a:spcPct val="0"/>
+              </a:spcBef>
+              <a:spcAft>
+                <a:spcPct val="0"/>
+              </a:spcAft>
+              <a:defRPr sz="2800">
+                <a:solidFill>
+                  <a:srgbClr val="191919"/>
+                </a:solidFill>
+                <a:latin typeface="HelvNeue Light for IBM" pitchFamily="34" charset="0"/>
+              </a:defRPr>
+            </a:lvl7pPr>
+            <a:lvl8pPr marL="1371566" algn="l" rtl="0" fontAlgn="base">
+              <a:lnSpc>
+                <a:spcPct val="90000"/>
+              </a:lnSpc>
+              <a:spcBef>
+                <a:spcPct val="0"/>
+              </a:spcBef>
+              <a:spcAft>
+                <a:spcPct val="0"/>
+              </a:spcAft>
+              <a:defRPr sz="2800">
+                <a:solidFill>
+                  <a:srgbClr val="191919"/>
+                </a:solidFill>
+                <a:latin typeface="HelvNeue Light for IBM" pitchFamily="34" charset="0"/>
+              </a:defRPr>
+            </a:lvl8pPr>
+            <a:lvl9pPr marL="1828754" algn="l" rtl="0" fontAlgn="base">
+              <a:lnSpc>
+                <a:spcPct val="90000"/>
+              </a:lnSpc>
+              <a:spcBef>
+                <a:spcPct val="0"/>
+              </a:spcBef>
+              <a:spcAft>
+                <a:spcPct val="0"/>
+              </a:spcAft>
+              <a:defRPr sz="2800">
+                <a:solidFill>
+                  <a:srgbClr val="191919"/>
+                </a:solidFill>
+                <a:latin typeface="HelvNeue Light for IBM" pitchFamily="34" charset="0"/>
+              </a:defRPr>
+            </a:lvl9pPr>
+          </a:lstStyle>
+          <a:p>
+            <a:r>
+              <a:rPr lang="en-US" sz="4000" b="1" kern="0" dirty="0">
+                <a:solidFill>
+                  <a:schemeClr val="accent6">
+                    <a:lumMod val="50000"/>
+                  </a:schemeClr>
+                </a:solidFill>
+                <a:latin typeface="IBM Plex Sans" panose="020B0503050203000203" pitchFamily="34" charset="77"/>
+              </a:rPr>
+              <a:t>Watson Assistant Labs</a:t>
+            </a:r>
+          </a:p>
+          <a:p>
+            <a:endParaRPr lang="en-US" sz="3200" b="1" i="1" kern="0" dirty="0">
+              <a:solidFill>
+                <a:schemeClr val="accent6">
+                  <a:lumMod val="50000"/>
+                </a:schemeClr>
+              </a:solidFill>
+              <a:latin typeface="IBM Plex Sans" panose="020B0503050203000203" pitchFamily="34" charset="77"/>
+            </a:endParaRPr>
+          </a:p>
+          <a:p>
+            <a:r>
+              <a:rPr lang="en-GB" sz="3200" b="1" i="1" kern="0" dirty="0">
+                <a:solidFill>
+                  <a:schemeClr val="accent6">
+                    <a:lumMod val="50000"/>
+                  </a:schemeClr>
+                </a:solidFill>
+                <a:latin typeface="IBM Plex Sans" panose="020B0503050203000203" pitchFamily="34" charset="77"/>
+              </a:rPr>
+              <a:t>Lab 3: Understanding User Sentiment - Integrating Watson Natural Language Understanding</a:t>
+            </a:r>
+            <a:endParaRPr lang="en-US" sz="1800" b="1" kern="0" dirty="0">
+              <a:solidFill>
+                <a:schemeClr val="accent6">
+                  <a:lumMod val="50000"/>
+                </a:schemeClr>
+              </a:solidFill>
+              <a:latin typeface="IBM Plex Sans" panose="020B0503050203000203" pitchFamily="34" charset="77"/>
+            </a:endParaRPr>
+          </a:p>
+        </p:txBody>
+      </p:sp>
+    </p:spTree>
+    <p:extLst>
+      <p:ext uri="{BB962C8B-B14F-4D97-AF65-F5344CB8AC3E}">
+        <p14:creationId xmlns:p14="http://schemas.microsoft.com/office/powerpoint/2010/main" val="4231753158"/>
       </p:ext>
     </p:extLst>
   </p:cSld>
